--- a/National_Parks_PowerPoint.pptx
+++ b/National_Parks_PowerPoint.pptx
@@ -11,8 +11,16 @@
     <p:sldId id="259" r:id="rId5"/>
     <p:sldId id="260" r:id="rId6"/>
     <p:sldId id="261" r:id="rId7"/>
-    <p:sldId id="262" r:id="rId8"/>
-    <p:sldId id="264" r:id="rId9"/>
+    <p:sldId id="265" r:id="rId8"/>
+    <p:sldId id="266" r:id="rId9"/>
+    <p:sldId id="267" r:id="rId10"/>
+    <p:sldId id="268" r:id="rId11"/>
+    <p:sldId id="269" r:id="rId12"/>
+    <p:sldId id="270" r:id="rId13"/>
+    <p:sldId id="272" r:id="rId14"/>
+    <p:sldId id="262" r:id="rId15"/>
+    <p:sldId id="273" r:id="rId16"/>
+    <p:sldId id="264" r:id="rId17"/>
   </p:sldIdLst>
   <p:sldSz cx="12192000" cy="6858000"/>
   <p:notesSz cx="6858000" cy="9144000"/>
@@ -5900,6 +5908,953 @@
 </p:sld>
 </file>
 
+<file path=ppt/slides/slide10.xml><?xml version="1.0" encoding="utf-8"?>
+<p:sld xmlns:a="http://schemas.openxmlformats.org/drawingml/2006/main" xmlns:r="http://schemas.openxmlformats.org/officeDocument/2006/relationships" xmlns:p="http://schemas.openxmlformats.org/presentationml/2006/main">
+  <p:cSld>
+    <p:spTree>
+      <p:nvGrpSpPr>
+        <p:cNvPr id="1" name="">
+          <a:extLst>
+            <a:ext uri="{FF2B5EF4-FFF2-40B4-BE49-F238E27FC236}">
+              <a16:creationId xmlns:a16="http://schemas.microsoft.com/office/drawing/2014/main" id="{F2BF9880-98C8-C5CF-6BE0-0D644CCAF4C4}"/>
+            </a:ext>
+          </a:extLst>
+        </p:cNvPr>
+        <p:cNvGrpSpPr/>
+        <p:nvPr/>
+      </p:nvGrpSpPr>
+      <p:grpSpPr>
+        <a:xfrm>
+          <a:off x="0" y="0"/>
+          <a:ext cx="0" cy="0"/>
+          <a:chOff x="0" y="0"/>
+          <a:chExt cx="0" cy="0"/>
+        </a:xfrm>
+      </p:grpSpPr>
+      <p:sp>
+        <p:nvSpPr>
+          <p:cNvPr id="2" name="Title 1">
+            <a:extLst>
+              <a:ext uri="{FF2B5EF4-FFF2-40B4-BE49-F238E27FC236}">
+                <a16:creationId xmlns:a16="http://schemas.microsoft.com/office/drawing/2014/main" id="{E98C9514-A4C4-24EE-5AD2-8E14F0F700C1}"/>
+              </a:ext>
+            </a:extLst>
+          </p:cNvPr>
+          <p:cNvSpPr>
+            <a:spLocks noGrp="1"/>
+          </p:cNvSpPr>
+          <p:nvPr>
+            <p:ph type="title"/>
+          </p:nvPr>
+        </p:nvSpPr>
+        <p:spPr/>
+        <p:txBody>
+          <a:bodyPr/>
+          <a:lstStyle/>
+          <a:p>
+            <a:r>
+              <a:rPr lang="en-US" dirty="0"/>
+              <a:t>Retrieving PostgreSQL Database / Tables</a:t>
+            </a:r>
+          </a:p>
+        </p:txBody>
+      </p:sp>
+      <p:sp>
+        <p:nvSpPr>
+          <p:cNvPr id="3" name="Content Placeholder 2">
+            <a:extLst>
+              <a:ext uri="{FF2B5EF4-FFF2-40B4-BE49-F238E27FC236}">
+                <a16:creationId xmlns:a16="http://schemas.microsoft.com/office/drawing/2014/main" id="{3FFAD8B2-C079-7F31-8954-EEE8612A222A}"/>
+              </a:ext>
+            </a:extLst>
+          </p:cNvPr>
+          <p:cNvSpPr>
+            <a:spLocks noGrp="1"/>
+          </p:cNvSpPr>
+          <p:nvPr>
+            <p:ph idx="1"/>
+          </p:nvPr>
+        </p:nvSpPr>
+        <p:spPr>
+          <a:xfrm>
+            <a:off x="677334" y="1694245"/>
+            <a:ext cx="9179898" cy="3880773"/>
+          </a:xfrm>
+        </p:spPr>
+        <p:txBody>
+          <a:bodyPr>
+            <a:normAutofit/>
+          </a:bodyPr>
+          <a:lstStyle/>
+          <a:p>
+            <a:r>
+              <a:rPr lang="en-US" dirty="0"/>
+              <a:t>Execute SQL to retrieve all rows from the observation, </a:t>
+            </a:r>
+            <a:r>
+              <a:rPr lang="en-US" dirty="0" err="1"/>
+              <a:t>parks_updated</a:t>
+            </a:r>
+            <a:r>
+              <a:rPr lang="en-US" dirty="0"/>
+              <a:t>, and </a:t>
+            </a:r>
+            <a:r>
+              <a:rPr lang="en-US" dirty="0" err="1"/>
+              <a:t>species_info</a:t>
+            </a:r>
+            <a:r>
+              <a:rPr lang="en-US" dirty="0"/>
+              <a:t> tables</a:t>
+            </a:r>
+          </a:p>
+          <a:p>
+            <a:pPr lvl="1"/>
+            <a:r>
+              <a:rPr lang="en-US" dirty="0"/>
+              <a:t>Print the first 3 rows to confirm data was pulled successfully</a:t>
+            </a:r>
+          </a:p>
+        </p:txBody>
+      </p:sp>
+      <p:pic>
+        <p:nvPicPr>
+          <p:cNvPr id="6" name="Picture 5">
+            <a:extLst>
+              <a:ext uri="{FF2B5EF4-FFF2-40B4-BE49-F238E27FC236}">
+                <a16:creationId xmlns:a16="http://schemas.microsoft.com/office/drawing/2014/main" id="{D76286B5-03AA-CD5A-67C5-D286AB20A028}"/>
+              </a:ext>
+            </a:extLst>
+          </p:cNvPr>
+          <p:cNvPicPr>
+            <a:picLocks noChangeAspect="1"/>
+          </p:cNvPicPr>
+          <p:nvPr/>
+        </p:nvPicPr>
+        <p:blipFill>
+          <a:blip r:embed="rId2"/>
+          <a:stretch>
+            <a:fillRect/>
+          </a:stretch>
+        </p:blipFill>
+        <p:spPr>
+          <a:xfrm>
+            <a:off x="2103177" y="2816552"/>
+            <a:ext cx="6419031" cy="3794951"/>
+          </a:xfrm>
+          <a:prstGeom prst="rect">
+            <a:avLst/>
+          </a:prstGeom>
+        </p:spPr>
+      </p:pic>
+    </p:spTree>
+    <p:extLst>
+      <p:ext uri="{BB962C8B-B14F-4D97-AF65-F5344CB8AC3E}">
+        <p14:creationId xmlns:p14="http://schemas.microsoft.com/office/powerpoint/2010/main" val="897046693"/>
+      </p:ext>
+    </p:extLst>
+  </p:cSld>
+  <p:clrMapOvr>
+    <a:masterClrMapping/>
+  </p:clrMapOvr>
+</p:sld>
+</file>
+
+<file path=ppt/slides/slide11.xml><?xml version="1.0" encoding="utf-8"?>
+<p:sld xmlns:a="http://schemas.openxmlformats.org/drawingml/2006/main" xmlns:r="http://schemas.openxmlformats.org/officeDocument/2006/relationships" xmlns:p="http://schemas.openxmlformats.org/presentationml/2006/main">
+  <p:cSld>
+    <p:spTree>
+      <p:nvGrpSpPr>
+        <p:cNvPr id="1" name="">
+          <a:extLst>
+            <a:ext uri="{FF2B5EF4-FFF2-40B4-BE49-F238E27FC236}">
+              <a16:creationId xmlns:a16="http://schemas.microsoft.com/office/drawing/2014/main" id="{CF667AF5-7A87-497E-1AA6-A9B1451EA534}"/>
+            </a:ext>
+          </a:extLst>
+        </p:cNvPr>
+        <p:cNvGrpSpPr/>
+        <p:nvPr/>
+      </p:nvGrpSpPr>
+      <p:grpSpPr>
+        <a:xfrm>
+          <a:off x="0" y="0"/>
+          <a:ext cx="0" cy="0"/>
+          <a:chOff x="0" y="0"/>
+          <a:chExt cx="0" cy="0"/>
+        </a:xfrm>
+      </p:grpSpPr>
+      <p:sp>
+        <p:nvSpPr>
+          <p:cNvPr id="2" name="Title 1">
+            <a:extLst>
+              <a:ext uri="{FF2B5EF4-FFF2-40B4-BE49-F238E27FC236}">
+                <a16:creationId xmlns:a16="http://schemas.microsoft.com/office/drawing/2014/main" id="{D8411C81-4862-7D63-7033-96C89E598D9F}"/>
+              </a:ext>
+            </a:extLst>
+          </p:cNvPr>
+          <p:cNvSpPr>
+            <a:spLocks noGrp="1"/>
+          </p:cNvSpPr>
+          <p:nvPr>
+            <p:ph type="title"/>
+          </p:nvPr>
+        </p:nvSpPr>
+        <p:spPr/>
+        <p:txBody>
+          <a:bodyPr/>
+          <a:lstStyle/>
+          <a:p>
+            <a:r>
+              <a:rPr lang="en-US" dirty="0"/>
+              <a:t>Merge database tables into single query</a:t>
+            </a:r>
+          </a:p>
+        </p:txBody>
+      </p:sp>
+      <p:sp>
+        <p:nvSpPr>
+          <p:cNvPr id="3" name="Content Placeholder 2">
+            <a:extLst>
+              <a:ext uri="{FF2B5EF4-FFF2-40B4-BE49-F238E27FC236}">
+                <a16:creationId xmlns:a16="http://schemas.microsoft.com/office/drawing/2014/main" id="{2879B46C-675D-9586-61BE-B8FB5FC5B4AA}"/>
+              </a:ext>
+            </a:extLst>
+          </p:cNvPr>
+          <p:cNvSpPr>
+            <a:spLocks noGrp="1"/>
+          </p:cNvSpPr>
+          <p:nvPr>
+            <p:ph idx="1"/>
+          </p:nvPr>
+        </p:nvSpPr>
+        <p:spPr>
+          <a:xfrm>
+            <a:off x="677334" y="1694245"/>
+            <a:ext cx="9179898" cy="3880773"/>
+          </a:xfrm>
+        </p:spPr>
+        <p:txBody>
+          <a:bodyPr>
+            <a:normAutofit/>
+          </a:bodyPr>
+          <a:lstStyle/>
+          <a:p>
+            <a:r>
+              <a:rPr lang="en-US" dirty="0"/>
+              <a:t>Perform LEFT JOINs using SQL directly from Python:</a:t>
+            </a:r>
+          </a:p>
+          <a:p>
+            <a:pPr lvl="1"/>
+            <a:r>
+              <a:rPr lang="en-US" dirty="0"/>
+              <a:t>Join 'observations' with '</a:t>
+            </a:r>
+            <a:r>
+              <a:rPr lang="en-US" dirty="0" err="1"/>
+              <a:t>parks_updated</a:t>
+            </a:r>
+            <a:r>
+              <a:rPr lang="en-US" dirty="0"/>
+              <a:t>' on '</a:t>
+            </a:r>
+            <a:r>
+              <a:rPr lang="en-US" dirty="0" err="1"/>
+              <a:t>park_name</a:t>
+            </a:r>
+            <a:r>
+              <a:rPr lang="en-US" dirty="0"/>
+              <a:t>’</a:t>
+            </a:r>
+          </a:p>
+          <a:p>
+            <a:pPr lvl="1"/>
+            <a:r>
+              <a:rPr lang="en-US" dirty="0"/>
+              <a:t>Then join that result with '</a:t>
+            </a:r>
+            <a:r>
+              <a:rPr lang="en-US" dirty="0" err="1"/>
+              <a:t>species_info</a:t>
+            </a:r>
+            <a:r>
+              <a:rPr lang="en-US" dirty="0"/>
+              <a:t>' on '</a:t>
+            </a:r>
+            <a:r>
+              <a:rPr lang="en-US" dirty="0" err="1"/>
+              <a:t>scientific_name</a:t>
+            </a:r>
+            <a:r>
+              <a:rPr lang="en-US" dirty="0"/>
+              <a:t>’</a:t>
+            </a:r>
+          </a:p>
+          <a:p>
+            <a:pPr lvl="1"/>
+            <a:r>
+              <a:rPr lang="en-US" dirty="0"/>
+              <a:t>Print the first 3 rows from the final joined dataset to validate merge success</a:t>
+            </a:r>
+          </a:p>
+        </p:txBody>
+      </p:sp>
+      <p:pic>
+        <p:nvPicPr>
+          <p:cNvPr id="6" name="Picture 5">
+            <a:extLst>
+              <a:ext uri="{FF2B5EF4-FFF2-40B4-BE49-F238E27FC236}">
+                <a16:creationId xmlns:a16="http://schemas.microsoft.com/office/drawing/2014/main" id="{99E5414D-1D46-24D6-1FEB-A999A65D89A6}"/>
+              </a:ext>
+            </a:extLst>
+          </p:cNvPr>
+          <p:cNvPicPr>
+            <a:picLocks noChangeAspect="1"/>
+          </p:cNvPicPr>
+          <p:nvPr/>
+        </p:nvPicPr>
+        <p:blipFill>
+          <a:blip r:embed="rId2"/>
+          <a:stretch>
+            <a:fillRect/>
+          </a:stretch>
+        </p:blipFill>
+        <p:spPr>
+          <a:xfrm>
+            <a:off x="1852991" y="3304609"/>
+            <a:ext cx="6550345" cy="3355054"/>
+          </a:xfrm>
+          <a:prstGeom prst="rect">
+            <a:avLst/>
+          </a:prstGeom>
+        </p:spPr>
+      </p:pic>
+    </p:spTree>
+    <p:extLst>
+      <p:ext uri="{BB962C8B-B14F-4D97-AF65-F5344CB8AC3E}">
+        <p14:creationId xmlns:p14="http://schemas.microsoft.com/office/powerpoint/2010/main" val="1028023414"/>
+      </p:ext>
+    </p:extLst>
+  </p:cSld>
+  <p:clrMapOvr>
+    <a:masterClrMapping/>
+  </p:clrMapOvr>
+</p:sld>
+</file>
+
+<file path=ppt/slides/slide12.xml><?xml version="1.0" encoding="utf-8"?>
+<p:sld xmlns:a="http://schemas.openxmlformats.org/drawingml/2006/main" xmlns:r="http://schemas.openxmlformats.org/officeDocument/2006/relationships" xmlns:p="http://schemas.openxmlformats.org/presentationml/2006/main">
+  <p:cSld>
+    <p:spTree>
+      <p:nvGrpSpPr>
+        <p:cNvPr id="1" name="">
+          <a:extLst>
+            <a:ext uri="{FF2B5EF4-FFF2-40B4-BE49-F238E27FC236}">
+              <a16:creationId xmlns:a16="http://schemas.microsoft.com/office/drawing/2014/main" id="{A7FDEACE-F1CB-9633-C215-5ACD81B2CCD4}"/>
+            </a:ext>
+          </a:extLst>
+        </p:cNvPr>
+        <p:cNvGrpSpPr/>
+        <p:nvPr/>
+      </p:nvGrpSpPr>
+      <p:grpSpPr>
+        <a:xfrm>
+          <a:off x="0" y="0"/>
+          <a:ext cx="0" cy="0"/>
+          <a:chOff x="0" y="0"/>
+          <a:chExt cx="0" cy="0"/>
+        </a:xfrm>
+      </p:grpSpPr>
+      <p:sp>
+        <p:nvSpPr>
+          <p:cNvPr id="2" name="Title 1">
+            <a:extLst>
+              <a:ext uri="{FF2B5EF4-FFF2-40B4-BE49-F238E27FC236}">
+                <a16:creationId xmlns:a16="http://schemas.microsoft.com/office/drawing/2014/main" id="{87719212-4E1D-2669-8F3D-1F61D161232C}"/>
+              </a:ext>
+            </a:extLst>
+          </p:cNvPr>
+          <p:cNvSpPr>
+            <a:spLocks noGrp="1"/>
+          </p:cNvSpPr>
+          <p:nvPr>
+            <p:ph type="title"/>
+          </p:nvPr>
+        </p:nvSpPr>
+        <p:spPr>
+          <a:xfrm>
+            <a:off x="466344" y="609600"/>
+            <a:ext cx="9482328" cy="1320800"/>
+          </a:xfrm>
+        </p:spPr>
+        <p:txBody>
+          <a:bodyPr/>
+          <a:lstStyle/>
+          <a:p>
+            <a:r>
+              <a:rPr lang="en-US" dirty="0"/>
+              <a:t>Reorder the columns to improve readability</a:t>
+            </a:r>
+          </a:p>
+        </p:txBody>
+      </p:sp>
+      <p:sp>
+        <p:nvSpPr>
+          <p:cNvPr id="3" name="Content Placeholder 2">
+            <a:extLst>
+              <a:ext uri="{FF2B5EF4-FFF2-40B4-BE49-F238E27FC236}">
+                <a16:creationId xmlns:a16="http://schemas.microsoft.com/office/drawing/2014/main" id="{B46EA51F-68D0-3287-2931-6BB4CF4BED6A}"/>
+              </a:ext>
+            </a:extLst>
+          </p:cNvPr>
+          <p:cNvSpPr>
+            <a:spLocks noGrp="1"/>
+          </p:cNvSpPr>
+          <p:nvPr>
+            <p:ph idx="1"/>
+          </p:nvPr>
+        </p:nvSpPr>
+        <p:spPr>
+          <a:xfrm>
+            <a:off x="677334" y="1694245"/>
+            <a:ext cx="9179898" cy="3880773"/>
+          </a:xfrm>
+        </p:spPr>
+        <p:txBody>
+          <a:bodyPr>
+            <a:normAutofit/>
+          </a:bodyPr>
+          <a:lstStyle/>
+          <a:p>
+            <a:r>
+              <a:rPr lang="en-US" dirty="0"/>
+              <a:t>Define current column headers that match SQL SELECT statement above</a:t>
+            </a:r>
+          </a:p>
+          <a:p>
+            <a:r>
+              <a:rPr lang="en-US" dirty="0"/>
+              <a:t>Convert that list to a Pandas </a:t>
+            </a:r>
+            <a:r>
+              <a:rPr lang="en-US" dirty="0" err="1"/>
+              <a:t>DataFrame</a:t>
+            </a:r>
+            <a:endParaRPr lang="en-US" dirty="0"/>
+          </a:p>
+          <a:p>
+            <a:r>
+              <a:rPr lang="en-US" dirty="0"/>
+              <a:t>Create new order of column headers and apply it to the </a:t>
+            </a:r>
+            <a:r>
+              <a:rPr lang="en-US" dirty="0" err="1"/>
+              <a:t>DataFrame</a:t>
+            </a:r>
+            <a:endParaRPr lang="en-US" dirty="0"/>
+          </a:p>
+        </p:txBody>
+      </p:sp>
+      <p:pic>
+        <p:nvPicPr>
+          <p:cNvPr id="5" name="Picture 4">
+            <a:extLst>
+              <a:ext uri="{FF2B5EF4-FFF2-40B4-BE49-F238E27FC236}">
+                <a16:creationId xmlns:a16="http://schemas.microsoft.com/office/drawing/2014/main" id="{EB383C19-2F97-5A5A-3E3A-C704EE797D0F}"/>
+              </a:ext>
+            </a:extLst>
+          </p:cNvPr>
+          <p:cNvPicPr>
+            <a:picLocks noChangeAspect="1"/>
+          </p:cNvPicPr>
+          <p:nvPr/>
+        </p:nvPicPr>
+        <p:blipFill>
+          <a:blip r:embed="rId2"/>
+          <a:stretch>
+            <a:fillRect/>
+          </a:stretch>
+        </p:blipFill>
+        <p:spPr>
+          <a:xfrm>
+            <a:off x="2442132" y="2960379"/>
+            <a:ext cx="5536889" cy="3699284"/>
+          </a:xfrm>
+          <a:prstGeom prst="rect">
+            <a:avLst/>
+          </a:prstGeom>
+        </p:spPr>
+      </p:pic>
+    </p:spTree>
+    <p:extLst>
+      <p:ext uri="{BB962C8B-B14F-4D97-AF65-F5344CB8AC3E}">
+        <p14:creationId xmlns:p14="http://schemas.microsoft.com/office/powerpoint/2010/main" val="1422980836"/>
+      </p:ext>
+    </p:extLst>
+  </p:cSld>
+  <p:clrMapOvr>
+    <a:masterClrMapping/>
+  </p:clrMapOvr>
+</p:sld>
+</file>
+
+<file path=ppt/slides/slide13.xml><?xml version="1.0" encoding="utf-8"?>
+<p:sld xmlns:a="http://schemas.openxmlformats.org/drawingml/2006/main" xmlns:r="http://schemas.openxmlformats.org/officeDocument/2006/relationships" xmlns:p="http://schemas.openxmlformats.org/presentationml/2006/main">
+  <p:cSld>
+    <p:spTree>
+      <p:nvGrpSpPr>
+        <p:cNvPr id="1" name="">
+          <a:extLst>
+            <a:ext uri="{FF2B5EF4-FFF2-40B4-BE49-F238E27FC236}">
+              <a16:creationId xmlns:a16="http://schemas.microsoft.com/office/drawing/2014/main" id="{DAE7032D-74F8-8495-B710-F4826CC4F3C7}"/>
+            </a:ext>
+          </a:extLst>
+        </p:cNvPr>
+        <p:cNvGrpSpPr/>
+        <p:nvPr/>
+      </p:nvGrpSpPr>
+      <p:grpSpPr>
+        <a:xfrm>
+          <a:off x="0" y="0"/>
+          <a:ext cx="0" cy="0"/>
+          <a:chOff x="0" y="0"/>
+          <a:chExt cx="0" cy="0"/>
+        </a:xfrm>
+      </p:grpSpPr>
+      <p:sp>
+        <p:nvSpPr>
+          <p:cNvPr id="2" name="Title 1">
+            <a:extLst>
+              <a:ext uri="{FF2B5EF4-FFF2-40B4-BE49-F238E27FC236}">
+                <a16:creationId xmlns:a16="http://schemas.microsoft.com/office/drawing/2014/main" id="{99C7C958-6F70-991C-1EE3-4308A091A9DF}"/>
+              </a:ext>
+            </a:extLst>
+          </p:cNvPr>
+          <p:cNvSpPr>
+            <a:spLocks noGrp="1"/>
+          </p:cNvSpPr>
+          <p:nvPr>
+            <p:ph type="title"/>
+          </p:nvPr>
+        </p:nvSpPr>
+        <p:spPr>
+          <a:xfrm>
+            <a:off x="237744" y="609600"/>
+            <a:ext cx="10369296" cy="1320800"/>
+          </a:xfrm>
+        </p:spPr>
+        <p:txBody>
+          <a:bodyPr/>
+          <a:lstStyle/>
+          <a:p>
+            <a:r>
+              <a:rPr lang="en-US" dirty="0"/>
+              <a:t>Save final merged dataset &amp; close SQL connection</a:t>
+            </a:r>
+          </a:p>
+        </p:txBody>
+      </p:sp>
+      <p:sp>
+        <p:nvSpPr>
+          <p:cNvPr id="3" name="Content Placeholder 2">
+            <a:extLst>
+              <a:ext uri="{FF2B5EF4-FFF2-40B4-BE49-F238E27FC236}">
+                <a16:creationId xmlns:a16="http://schemas.microsoft.com/office/drawing/2014/main" id="{1D37B7D4-EB8F-2CC3-AA29-F2EB3E936A3C}"/>
+              </a:ext>
+            </a:extLst>
+          </p:cNvPr>
+          <p:cNvSpPr>
+            <a:spLocks noGrp="1"/>
+          </p:cNvSpPr>
+          <p:nvPr>
+            <p:ph idx="1"/>
+          </p:nvPr>
+        </p:nvSpPr>
+        <p:spPr>
+          <a:xfrm>
+            <a:off x="620627" y="1930400"/>
+            <a:ext cx="9179898" cy="3880773"/>
+          </a:xfrm>
+        </p:spPr>
+        <p:txBody>
+          <a:bodyPr>
+            <a:normAutofit/>
+          </a:bodyPr>
+          <a:lstStyle/>
+          <a:p>
+            <a:r>
+              <a:rPr lang="en-US" dirty="0"/>
+              <a:t>Save the final merged dataset to a CSV file in the 'resources' folder</a:t>
+            </a:r>
+          </a:p>
+          <a:p>
+            <a:r>
+              <a:rPr lang="en-US" dirty="0"/>
+              <a:t>Close the connection to the PostgreSQL database once all queries are complete</a:t>
+            </a:r>
+          </a:p>
+        </p:txBody>
+      </p:sp>
+      <p:pic>
+        <p:nvPicPr>
+          <p:cNvPr id="6" name="Picture 5">
+            <a:extLst>
+              <a:ext uri="{FF2B5EF4-FFF2-40B4-BE49-F238E27FC236}">
+                <a16:creationId xmlns:a16="http://schemas.microsoft.com/office/drawing/2014/main" id="{1F0B2F17-AA44-27FC-6A6D-D048E3AD4BDE}"/>
+              </a:ext>
+            </a:extLst>
+          </p:cNvPr>
+          <p:cNvPicPr>
+            <a:picLocks noChangeAspect="1"/>
+          </p:cNvPicPr>
+          <p:nvPr/>
+        </p:nvPicPr>
+        <p:blipFill>
+          <a:blip r:embed="rId2"/>
+          <a:stretch>
+            <a:fillRect/>
+          </a:stretch>
+        </p:blipFill>
+        <p:spPr>
+          <a:xfrm>
+            <a:off x="2233344" y="3870786"/>
+            <a:ext cx="6573167" cy="1733792"/>
+          </a:xfrm>
+          <a:prstGeom prst="rect">
+            <a:avLst/>
+          </a:prstGeom>
+        </p:spPr>
+      </p:pic>
+    </p:spTree>
+    <p:extLst>
+      <p:ext uri="{BB962C8B-B14F-4D97-AF65-F5344CB8AC3E}">
+        <p14:creationId xmlns:p14="http://schemas.microsoft.com/office/powerpoint/2010/main" val="3083694938"/>
+      </p:ext>
+    </p:extLst>
+  </p:cSld>
+  <p:clrMapOvr>
+    <a:masterClrMapping/>
+  </p:clrMapOvr>
+</p:sld>
+</file>
+
+<file path=ppt/slides/slide14.xml><?xml version="1.0" encoding="utf-8"?>
+<p:sld xmlns:a="http://schemas.openxmlformats.org/drawingml/2006/main" xmlns:r="http://schemas.openxmlformats.org/officeDocument/2006/relationships" xmlns:p="http://schemas.openxmlformats.org/presentationml/2006/main">
+  <p:cSld>
+    <p:spTree>
+      <p:nvGrpSpPr>
+        <p:cNvPr id="1" name="">
+          <a:extLst>
+            <a:ext uri="{FF2B5EF4-FFF2-40B4-BE49-F238E27FC236}">
+              <a16:creationId xmlns:a16="http://schemas.microsoft.com/office/drawing/2014/main" id="{B3F0ED3A-7A8A-84E1-927C-39DA37E07BF3}"/>
+            </a:ext>
+          </a:extLst>
+        </p:cNvPr>
+        <p:cNvGrpSpPr/>
+        <p:nvPr/>
+      </p:nvGrpSpPr>
+      <p:grpSpPr>
+        <a:xfrm>
+          <a:off x="0" y="0"/>
+          <a:ext cx="0" cy="0"/>
+          <a:chOff x="0" y="0"/>
+          <a:chExt cx="0" cy="0"/>
+        </a:xfrm>
+      </p:grpSpPr>
+      <p:sp>
+        <p:nvSpPr>
+          <p:cNvPr id="2" name="Title 1">
+            <a:extLst>
+              <a:ext uri="{FF2B5EF4-FFF2-40B4-BE49-F238E27FC236}">
+                <a16:creationId xmlns:a16="http://schemas.microsoft.com/office/drawing/2014/main" id="{3A44FFEA-474D-5F28-A761-736C70D9844E}"/>
+              </a:ext>
+            </a:extLst>
+          </p:cNvPr>
+          <p:cNvSpPr>
+            <a:spLocks noGrp="1"/>
+          </p:cNvSpPr>
+          <p:nvPr>
+            <p:ph type="title"/>
+          </p:nvPr>
+        </p:nvSpPr>
+        <p:spPr/>
+        <p:txBody>
+          <a:bodyPr/>
+          <a:lstStyle/>
+          <a:p>
+            <a:r>
+              <a:rPr lang="en-US" dirty="0"/>
+              <a:t>Database Design</a:t>
+            </a:r>
+          </a:p>
+        </p:txBody>
+      </p:sp>
+      <p:sp>
+        <p:nvSpPr>
+          <p:cNvPr id="3" name="Content Placeholder 2">
+            <a:extLst>
+              <a:ext uri="{FF2B5EF4-FFF2-40B4-BE49-F238E27FC236}">
+                <a16:creationId xmlns:a16="http://schemas.microsoft.com/office/drawing/2014/main" id="{2A71048D-DCAD-2081-BAB6-1726FF407CE2}"/>
+              </a:ext>
+            </a:extLst>
+          </p:cNvPr>
+          <p:cNvSpPr>
+            <a:spLocks noGrp="1"/>
+          </p:cNvSpPr>
+          <p:nvPr>
+            <p:ph idx="1"/>
+          </p:nvPr>
+        </p:nvSpPr>
+        <p:spPr>
+          <a:xfrm>
+            <a:off x="677334" y="2160589"/>
+            <a:ext cx="7753434" cy="774635"/>
+          </a:xfrm>
+        </p:spPr>
+        <p:txBody>
+          <a:bodyPr/>
+          <a:lstStyle/>
+          <a:p>
+            <a:r>
+              <a:rPr lang="en-US" dirty="0"/>
+              <a:t>We chose https://www.quickdatabasediagrams.com/ as our ERD tool</a:t>
+            </a:r>
+          </a:p>
+        </p:txBody>
+      </p:sp>
+      <p:pic>
+        <p:nvPicPr>
+          <p:cNvPr id="5" name="Picture 4">
+            <a:extLst>
+              <a:ext uri="{FF2B5EF4-FFF2-40B4-BE49-F238E27FC236}">
+                <a16:creationId xmlns:a16="http://schemas.microsoft.com/office/drawing/2014/main" id="{5DE89075-5A18-C4D3-6FAE-95E85A8324A4}"/>
+              </a:ext>
+            </a:extLst>
+          </p:cNvPr>
+          <p:cNvPicPr>
+            <a:picLocks noChangeAspect="1"/>
+          </p:cNvPicPr>
+          <p:nvPr/>
+        </p:nvPicPr>
+        <p:blipFill>
+          <a:blip r:embed="rId2"/>
+          <a:stretch>
+            <a:fillRect/>
+          </a:stretch>
+        </p:blipFill>
+        <p:spPr>
+          <a:xfrm>
+            <a:off x="528622" y="2821432"/>
+            <a:ext cx="8942820" cy="2779776"/>
+          </a:xfrm>
+          <a:prstGeom prst="rect">
+            <a:avLst/>
+          </a:prstGeom>
+        </p:spPr>
+      </p:pic>
+    </p:spTree>
+    <p:extLst>
+      <p:ext uri="{BB962C8B-B14F-4D97-AF65-F5344CB8AC3E}">
+        <p14:creationId xmlns:p14="http://schemas.microsoft.com/office/powerpoint/2010/main" val="869872634"/>
+      </p:ext>
+    </p:extLst>
+  </p:cSld>
+  <p:clrMapOvr>
+    <a:masterClrMapping/>
+  </p:clrMapOvr>
+</p:sld>
+</file>
+
+<file path=ppt/slides/slide15.xml><?xml version="1.0" encoding="utf-8"?>
+<p:sld xmlns:a="http://schemas.openxmlformats.org/drawingml/2006/main" xmlns:r="http://schemas.openxmlformats.org/officeDocument/2006/relationships" xmlns:p="http://schemas.openxmlformats.org/presentationml/2006/main">
+  <p:cSld>
+    <p:spTree>
+      <p:nvGrpSpPr>
+        <p:cNvPr id="1" name=""/>
+        <p:cNvGrpSpPr/>
+        <p:nvPr/>
+      </p:nvGrpSpPr>
+      <p:grpSpPr>
+        <a:xfrm>
+          <a:off x="0" y="0"/>
+          <a:ext cx="0" cy="0"/>
+          <a:chOff x="0" y="0"/>
+          <a:chExt cx="0" cy="0"/>
+        </a:xfrm>
+      </p:grpSpPr>
+      <p:sp>
+        <p:nvSpPr>
+          <p:cNvPr id="2" name="Title 1">
+            <a:extLst>
+              <a:ext uri="{FF2B5EF4-FFF2-40B4-BE49-F238E27FC236}">
+                <a16:creationId xmlns:a16="http://schemas.microsoft.com/office/drawing/2014/main" id="{E0FB205B-E850-9D86-D804-C488EBFD81B1}"/>
+              </a:ext>
+            </a:extLst>
+          </p:cNvPr>
+          <p:cNvSpPr>
+            <a:spLocks noGrp="1"/>
+          </p:cNvSpPr>
+          <p:nvPr>
+            <p:ph type="title"/>
+          </p:nvPr>
+        </p:nvSpPr>
+        <p:spPr/>
+        <p:txBody>
+          <a:bodyPr/>
+          <a:lstStyle/>
+          <a:p>
+            <a:r>
+              <a:rPr lang="en-US" dirty="0"/>
+              <a:t>Ethical Considerations</a:t>
+            </a:r>
+          </a:p>
+        </p:txBody>
+      </p:sp>
+      <p:sp>
+        <p:nvSpPr>
+          <p:cNvPr id="3" name="Content Placeholder 2">
+            <a:extLst>
+              <a:ext uri="{FF2B5EF4-FFF2-40B4-BE49-F238E27FC236}">
+                <a16:creationId xmlns:a16="http://schemas.microsoft.com/office/drawing/2014/main" id="{0C300544-DC7E-D5C6-48D3-55F27A19E19C}"/>
+              </a:ext>
+            </a:extLst>
+          </p:cNvPr>
+          <p:cNvSpPr>
+            <a:spLocks noGrp="1"/>
+          </p:cNvSpPr>
+          <p:nvPr>
+            <p:ph idx="1"/>
+          </p:nvPr>
+        </p:nvSpPr>
+        <p:spPr/>
+        <p:txBody>
+          <a:bodyPr/>
+          <a:lstStyle/>
+          <a:p>
+            <a:r>
+              <a:rPr lang="en-US" dirty="0"/>
+              <a:t>Data Privacy: The datasets do not include personally identifiable information. All data pertains to publicly available environmental statistics and species info.</a:t>
+            </a:r>
+          </a:p>
+          <a:p>
+            <a:r>
+              <a:rPr lang="en-US" dirty="0"/>
+              <a:t>Conservation Awareness: We emphasize the importance of responsible ecological studies. Our goal is to raise awareness about endangered species and biodiversity patterns without exploiting or misrepresenting ecological data.</a:t>
+            </a:r>
+          </a:p>
+          <a:p>
+            <a:r>
+              <a:rPr lang="en-US" dirty="0"/>
+              <a:t>AI Usage Transparency: AI (ChatGPT) was used as a guide during project design, troubleshooting, and documentation. All generated content was reviewed by human team members.</a:t>
+            </a:r>
+          </a:p>
+        </p:txBody>
+      </p:sp>
+    </p:spTree>
+    <p:extLst>
+      <p:ext uri="{BB962C8B-B14F-4D97-AF65-F5344CB8AC3E}">
+        <p14:creationId xmlns:p14="http://schemas.microsoft.com/office/powerpoint/2010/main" val="321376437"/>
+      </p:ext>
+    </p:extLst>
+  </p:cSld>
+  <p:clrMapOvr>
+    <a:masterClrMapping/>
+  </p:clrMapOvr>
+</p:sld>
+</file>
+
+<file path=ppt/slides/slide16.xml><?xml version="1.0" encoding="utf-8"?>
+<p:sld xmlns:a="http://schemas.openxmlformats.org/drawingml/2006/main" xmlns:r="http://schemas.openxmlformats.org/officeDocument/2006/relationships" xmlns:p="http://schemas.openxmlformats.org/presentationml/2006/main">
+  <p:cSld>
+    <p:spTree>
+      <p:nvGrpSpPr>
+        <p:cNvPr id="1" name="">
+          <a:extLst>
+            <a:ext uri="{FF2B5EF4-FFF2-40B4-BE49-F238E27FC236}">
+              <a16:creationId xmlns:a16="http://schemas.microsoft.com/office/drawing/2014/main" id="{CC0B9BFA-A067-DD11-7DBA-5F8E9170D8B7}"/>
+            </a:ext>
+          </a:extLst>
+        </p:cNvPr>
+        <p:cNvGrpSpPr/>
+        <p:nvPr/>
+      </p:nvGrpSpPr>
+      <p:grpSpPr>
+        <a:xfrm>
+          <a:off x="0" y="0"/>
+          <a:ext cx="0" cy="0"/>
+          <a:chOff x="0" y="0"/>
+          <a:chExt cx="0" cy="0"/>
+        </a:xfrm>
+      </p:grpSpPr>
+      <p:sp>
+        <p:nvSpPr>
+          <p:cNvPr id="2" name="Title 1">
+            <a:extLst>
+              <a:ext uri="{FF2B5EF4-FFF2-40B4-BE49-F238E27FC236}">
+                <a16:creationId xmlns:a16="http://schemas.microsoft.com/office/drawing/2014/main" id="{85A78879-20B2-DF9F-5DC2-FA71E2E7CB3D}"/>
+              </a:ext>
+            </a:extLst>
+          </p:cNvPr>
+          <p:cNvSpPr>
+            <a:spLocks noGrp="1"/>
+          </p:cNvSpPr>
+          <p:nvPr>
+            <p:ph type="ctrTitle"/>
+          </p:nvPr>
+        </p:nvSpPr>
+        <p:spPr/>
+        <p:txBody>
+          <a:bodyPr/>
+          <a:lstStyle/>
+          <a:p>
+            <a:r>
+              <a:rPr lang="en-US" dirty="0"/>
+              <a:t>THANK YOU!</a:t>
+            </a:r>
+          </a:p>
+        </p:txBody>
+      </p:sp>
+      <p:sp>
+        <p:nvSpPr>
+          <p:cNvPr id="3" name="Subtitle 2">
+            <a:extLst>
+              <a:ext uri="{FF2B5EF4-FFF2-40B4-BE49-F238E27FC236}">
+                <a16:creationId xmlns:a16="http://schemas.microsoft.com/office/drawing/2014/main" id="{039472D1-19FC-3432-223E-FE9BFD434295}"/>
+              </a:ext>
+            </a:extLst>
+          </p:cNvPr>
+          <p:cNvSpPr>
+            <a:spLocks noGrp="1"/>
+          </p:cNvSpPr>
+          <p:nvPr>
+            <p:ph type="subTitle" idx="1"/>
+          </p:nvPr>
+        </p:nvSpPr>
+        <p:spPr/>
+        <p:txBody>
+          <a:bodyPr/>
+          <a:lstStyle/>
+          <a:p>
+            <a:r>
+              <a:rPr lang="en-US" dirty="0"/>
+              <a:t>Any Questions?</a:t>
+            </a:r>
+          </a:p>
+        </p:txBody>
+      </p:sp>
+    </p:spTree>
+    <p:extLst>
+      <p:ext uri="{BB962C8B-B14F-4D97-AF65-F5344CB8AC3E}">
+        <p14:creationId xmlns:p14="http://schemas.microsoft.com/office/powerpoint/2010/main" val="559868811"/>
+      </p:ext>
+    </p:extLst>
+  </p:cSld>
+  <p:clrMapOvr>
+    <a:masterClrMapping/>
+  </p:clrMapOvr>
+</p:sld>
+</file>
+
 <file path=ppt/slides/slide2.xml><?xml version="1.0" encoding="utf-8"?>
 <p:sld xmlns:a="http://schemas.openxmlformats.org/drawingml/2006/main" xmlns:r="http://schemas.openxmlformats.org/officeDocument/2006/relationships" xmlns:p="http://schemas.openxmlformats.org/presentationml/2006/main">
   <p:cSld>
@@ -5963,7 +6918,9 @@
         </p:nvSpPr>
         <p:spPr/>
         <p:txBody>
-          <a:bodyPr/>
+          <a:bodyPr>
+            <a:normAutofit fontScale="92500" lnSpcReduction="20000"/>
+          </a:bodyPr>
           <a:lstStyle/>
           <a:p>
             <a:r>
@@ -5992,7 +6949,43 @@
           <a:p>
             <a:r>
               <a:rPr lang="en-US" dirty="0"/>
+              <a:t>Connecting to PostgreSQL</a:t>
+            </a:r>
+          </a:p>
+          <a:p>
+            <a:r>
+              <a:rPr lang="en-US" dirty="0"/>
+              <a:t>Retrieving PostgreSQL</a:t>
+            </a:r>
+          </a:p>
+          <a:p>
+            <a:r>
+              <a:rPr lang="en-US" dirty="0"/>
+              <a:t>Merging Databases</a:t>
+            </a:r>
+          </a:p>
+          <a:p>
+            <a:r>
+              <a:rPr lang="en-US" dirty="0"/>
+              <a:t>Reorganizing columns</a:t>
+            </a:r>
+          </a:p>
+          <a:p>
+            <a:r>
+              <a:rPr lang="en-US" dirty="0"/>
+              <a:t>Saving Output &amp; Closing SQL Connection</a:t>
+            </a:r>
+          </a:p>
+          <a:p>
+            <a:r>
+              <a:rPr lang="en-US" dirty="0"/>
               <a:t>Database Design</a:t>
+            </a:r>
+          </a:p>
+          <a:p>
+            <a:r>
+              <a:rPr lang="en-US" dirty="0"/>
+              <a:t>Ethical Considerations</a:t>
             </a:r>
           </a:p>
         </p:txBody>
@@ -6312,12 +7305,6 @@
           <a:lstStyle/>
           <a:p>
             <a:r>
-              <a:rPr lang="en-US" dirty="0"/>
-              <a:t>Python (Pandas, SQLite, and Polars)</a:t>
-            </a:r>
-          </a:p>
-          <a:p>
-            <a:r>
               <a:rPr lang="en-US" dirty="0" err="1"/>
               <a:t>Jupyter</a:t>
             </a:r>
@@ -6329,19 +7316,59 @@
           <a:p>
             <a:r>
               <a:rPr lang="en-US" dirty="0"/>
-              <a:t>SQLite (via sqlite3 and </a:t>
-            </a:r>
-            <a:r>
-              <a:rPr lang="en-US" dirty="0" err="1"/>
-              <a:t>SQLAlchemy</a:t>
-            </a:r>
+              <a:t>Python</a:t>
+            </a:r>
+          </a:p>
+          <a:p>
             <a:r>
               <a:rPr lang="en-US" dirty="0"/>
-              <a:t>)</a:t>
-            </a:r>
-          </a:p>
-        </p:txBody>
-      </p:sp>
+              <a:t>Pandas (for general-purpose data analysis)</a:t>
+            </a:r>
+          </a:p>
+          <a:p>
+            <a:r>
+              <a:rPr lang="en-US" dirty="0"/>
+              <a:t>Polars (for high-performance column and string operations)</a:t>
+            </a:r>
+          </a:p>
+          <a:p>
+            <a:r>
+              <a:rPr lang="en-US" dirty="0"/>
+              <a:t>PostgreSQL (via psycopg2 for PostgreSQL access</a:t>
+            </a:r>
+          </a:p>
+        </p:txBody>
+      </p:sp>
+      <p:pic>
+        <p:nvPicPr>
+          <p:cNvPr id="6" name="Picture 5">
+            <a:extLst>
+              <a:ext uri="{FF2B5EF4-FFF2-40B4-BE49-F238E27FC236}">
+                <a16:creationId xmlns:a16="http://schemas.microsoft.com/office/drawing/2014/main" id="{734DFF3D-4A51-4FE8-91CC-479B9E3DF7E9}"/>
+              </a:ext>
+            </a:extLst>
+          </p:cNvPr>
+          <p:cNvPicPr>
+            <a:picLocks noChangeAspect="1"/>
+          </p:cNvPicPr>
+          <p:nvPr/>
+        </p:nvPicPr>
+        <p:blipFill>
+          <a:blip r:embed="rId2"/>
+          <a:stretch>
+            <a:fillRect/>
+          </a:stretch>
+        </p:blipFill>
+        <p:spPr>
+          <a:xfrm>
+            <a:off x="1450926" y="4445035"/>
+            <a:ext cx="7049484" cy="1314633"/>
+          </a:xfrm>
+          <a:prstGeom prst="rect">
+            <a:avLst/>
+          </a:prstGeom>
+        </p:spPr>
+      </p:pic>
     </p:spTree>
     <p:extLst>
       <p:ext uri="{BB962C8B-B14F-4D97-AF65-F5344CB8AC3E}">
@@ -6430,7 +7457,7 @@
         </p:spPr>
         <p:txBody>
           <a:bodyPr>
-            <a:normAutofit lnSpcReduction="10000"/>
+            <a:normAutofit/>
           </a:bodyPr>
           <a:lstStyle/>
           <a:p>
@@ -6460,81 +7487,38 @@
               <a:t>Species_info.csv (Species classification and conservation info)</a:t>
             </a:r>
           </a:p>
-          <a:p>
-            <a:r>
-              <a:rPr lang="en-US" dirty="0"/>
-              <a:t>Transforming the data by:</a:t>
-            </a:r>
-          </a:p>
-          <a:p>
-            <a:pPr lvl="1"/>
-            <a:r>
-              <a:rPr lang="en-US" dirty="0"/>
-              <a:t>Renaming inconsistent columns (Park Name -&gt; </a:t>
-            </a:r>
-            <a:r>
-              <a:rPr lang="en-US" dirty="0" err="1"/>
-              <a:t>park_name</a:t>
-            </a:r>
-            <a:r>
-              <a:rPr lang="en-US" dirty="0"/>
-              <a:t>, Park Code -&gt; </a:t>
-            </a:r>
-            <a:r>
-              <a:rPr lang="en-US" dirty="0" err="1"/>
-              <a:t>park_code</a:t>
-            </a:r>
-            <a:r>
-              <a:rPr lang="en-US" dirty="0"/>
-              <a:t>)</a:t>
-            </a:r>
-          </a:p>
-          <a:p>
-            <a:pPr lvl="1"/>
-            <a:r>
-              <a:rPr lang="en-US" dirty="0"/>
-              <a:t>Renaming inconsistent park names (Bryce Canyon National Park -&gt; Bryce National Park)</a:t>
-            </a:r>
-          </a:p>
-          <a:p>
-            <a:pPr lvl="1"/>
-            <a:r>
-              <a:rPr lang="en-US" dirty="0"/>
-              <a:t>Creating a unified, joined dataset: National_Parks_Dataset.csv</a:t>
-            </a:r>
-          </a:p>
-          <a:p>
-            <a:r>
-              <a:rPr lang="en-US" dirty="0"/>
-              <a:t>Loading the cleaned and joined data into a relational SQLite database (</a:t>
-            </a:r>
-            <a:r>
-              <a:rPr lang="en-US" dirty="0" err="1"/>
-              <a:t>national_park_species_db.sql</a:t>
-            </a:r>
-            <a:r>
-              <a:rPr lang="en-US" dirty="0"/>
-              <a:t> with 3 tables:</a:t>
-            </a:r>
-          </a:p>
-          <a:p>
-            <a:pPr lvl="1"/>
-            <a:r>
-              <a:rPr lang="en-US" dirty="0" err="1"/>
-              <a:t>parks_updated</a:t>
-            </a:r>
-            <a:r>
-              <a:rPr lang="en-US" dirty="0"/>
-              <a:t>, observations, and </a:t>
-            </a:r>
-            <a:r>
-              <a:rPr lang="en-US" dirty="0" err="1"/>
-              <a:t>species_info</a:t>
-            </a:r>
-            <a:endParaRPr lang="en-US" dirty="0"/>
-          </a:p>
-        </p:txBody>
-      </p:sp>
+        </p:txBody>
+      </p:sp>
+      <p:pic>
+        <p:nvPicPr>
+          <p:cNvPr id="6" name="Picture 5">
+            <a:extLst>
+              <a:ext uri="{FF2B5EF4-FFF2-40B4-BE49-F238E27FC236}">
+                <a16:creationId xmlns:a16="http://schemas.microsoft.com/office/drawing/2014/main" id="{5EEE1E71-39E2-B127-7AFA-962FE9BF45C2}"/>
+              </a:ext>
+            </a:extLst>
+          </p:cNvPr>
+          <p:cNvPicPr>
+            <a:picLocks noChangeAspect="1"/>
+          </p:cNvPicPr>
+          <p:nvPr/>
+        </p:nvPicPr>
+        <p:blipFill>
+          <a:blip r:embed="rId2"/>
+          <a:stretch>
+            <a:fillRect/>
+          </a:stretch>
+        </p:blipFill>
+        <p:spPr>
+          <a:xfrm>
+            <a:off x="969846" y="4302172"/>
+            <a:ext cx="8011643" cy="1143160"/>
+          </a:xfrm>
+          <a:prstGeom prst="rect">
+            <a:avLst/>
+          </a:prstGeom>
+        </p:spPr>
+      </p:pic>
     </p:spTree>
     <p:extLst>
       <p:ext uri="{BB962C8B-B14F-4D97-AF65-F5344CB8AC3E}">
@@ -6556,7 +7540,7 @@
         <p:cNvPr id="1" name="">
           <a:extLst>
             <a:ext uri="{FF2B5EF4-FFF2-40B4-BE49-F238E27FC236}">
-              <a16:creationId xmlns:a16="http://schemas.microsoft.com/office/drawing/2014/main" id="{B3F0ED3A-7A8A-84E1-927C-39DA37E07BF3}"/>
+              <a16:creationId xmlns:a16="http://schemas.microsoft.com/office/drawing/2014/main" id="{BBB2D6D2-EFC7-573D-A5AE-F59A97CD1E6A}"/>
             </a:ext>
           </a:extLst>
         </p:cNvPr>
@@ -6576,7 +7560,7 @@
           <p:cNvPr id="2" name="Title 1">
             <a:extLst>
               <a:ext uri="{FF2B5EF4-FFF2-40B4-BE49-F238E27FC236}">
-                <a16:creationId xmlns:a16="http://schemas.microsoft.com/office/drawing/2014/main" id="{3A44FFEA-474D-5F28-A761-736C70D9844E}"/>
+                <a16:creationId xmlns:a16="http://schemas.microsoft.com/office/drawing/2014/main" id="{A0B7A6FD-DA00-556C-FA30-1B5EE3D1A3D7}"/>
               </a:ext>
             </a:extLst>
           </p:cNvPr>
@@ -6594,7 +7578,7 @@
           <a:p>
             <a:r>
               <a:rPr lang="en-US" dirty="0"/>
-              <a:t>Database Design</a:t>
+              <a:t>ETL Workflow</a:t>
             </a:r>
           </a:p>
         </p:txBody>
@@ -6604,7 +7588,7 @@
           <p:cNvPr id="3" name="Content Placeholder 2">
             <a:extLst>
               <a:ext uri="{FF2B5EF4-FFF2-40B4-BE49-F238E27FC236}">
-                <a16:creationId xmlns:a16="http://schemas.microsoft.com/office/drawing/2014/main" id="{2A71048D-DCAD-2081-BAB6-1726FF407CE2}"/>
+                <a16:creationId xmlns:a16="http://schemas.microsoft.com/office/drawing/2014/main" id="{035CE248-C311-6644-1485-D1E5F0F53419}"/>
               </a:ext>
             </a:extLst>
           </p:cNvPr>
@@ -6617,17 +7601,56 @@
         </p:nvSpPr>
         <p:spPr>
           <a:xfrm>
-            <a:off x="677334" y="2160589"/>
-            <a:ext cx="7753434" cy="774635"/>
+            <a:off x="677334" y="1776541"/>
+            <a:ext cx="9179898" cy="3880773"/>
           </a:xfrm>
         </p:spPr>
         <p:txBody>
-          <a:bodyPr/>
+          <a:bodyPr>
+            <a:normAutofit/>
+          </a:bodyPr>
           <a:lstStyle/>
           <a:p>
             <a:r>
               <a:rPr lang="en-US" dirty="0"/>
-              <a:t>We chose https://www.quickdatabasediagrams.com/ as our ERD tool</a:t>
+              <a:t>Transforming the data by:</a:t>
+            </a:r>
+          </a:p>
+          <a:p>
+            <a:pPr lvl="1"/>
+            <a:r>
+              <a:rPr lang="en-US" dirty="0"/>
+              <a:t>Renaming inconsistent columns (Park Name -&gt; </a:t>
+            </a:r>
+            <a:r>
+              <a:rPr lang="en-US" dirty="0" err="1"/>
+              <a:t>park_name</a:t>
+            </a:r>
+            <a:r>
+              <a:rPr lang="en-US" dirty="0"/>
+              <a:t>, Park Code -&gt; </a:t>
+            </a:r>
+            <a:r>
+              <a:rPr lang="en-US" dirty="0" err="1"/>
+              <a:t>park_code</a:t>
+            </a:r>
+            <a:r>
+              <a:rPr lang="en-US" dirty="0"/>
+              <a:t>)</a:t>
+            </a:r>
+          </a:p>
+          <a:p>
+            <a:pPr lvl="1"/>
+            <a:r>
+              <a:rPr lang="en-US" dirty="0"/>
+              <a:t>Renaming inconsistent park names (Bryce Canyon National Park -&gt; Bryce National Park)</a:t>
+            </a:r>
+          </a:p>
+          <a:p>
+            <a:pPr lvl="1"/>
+            <a:r>
+              <a:rPr lang="en-US" dirty="0"/>
+              <a:t>Saving the cleaned dataset to a new file called: parks_updated.csv</a:t>
             </a:r>
           </a:p>
         </p:txBody>
@@ -6637,7 +7660,7 @@
           <p:cNvPr id="5" name="Picture 4">
             <a:extLst>
               <a:ext uri="{FF2B5EF4-FFF2-40B4-BE49-F238E27FC236}">
-                <a16:creationId xmlns:a16="http://schemas.microsoft.com/office/drawing/2014/main" id="{5DE89075-5A18-C4D3-6FAE-95E85A8324A4}"/>
+                <a16:creationId xmlns:a16="http://schemas.microsoft.com/office/drawing/2014/main" id="{FDEEA72B-5203-D3C5-FB7F-FD2CC5A5CB80}"/>
               </a:ext>
             </a:extLst>
           </p:cNvPr>
@@ -6654,8 +7677,8 @@
         </p:blipFill>
         <p:spPr>
           <a:xfrm>
-            <a:off x="400605" y="2752344"/>
-            <a:ext cx="10188147" cy="3166872"/>
+            <a:off x="796669" y="3429000"/>
+            <a:ext cx="8221222" cy="3227832"/>
           </a:xfrm>
           <a:prstGeom prst="rect">
             <a:avLst/>
@@ -6665,7 +7688,7 @@
     </p:spTree>
     <p:extLst>
       <p:ext uri="{BB962C8B-B14F-4D97-AF65-F5344CB8AC3E}">
-        <p14:creationId xmlns:p14="http://schemas.microsoft.com/office/powerpoint/2010/main" val="869872634"/>
+        <p14:creationId xmlns:p14="http://schemas.microsoft.com/office/powerpoint/2010/main" val="2817421349"/>
       </p:ext>
     </p:extLst>
   </p:cSld>
@@ -6683,7 +7706,7 @@
         <p:cNvPr id="1" name="">
           <a:extLst>
             <a:ext uri="{FF2B5EF4-FFF2-40B4-BE49-F238E27FC236}">
-              <a16:creationId xmlns:a16="http://schemas.microsoft.com/office/drawing/2014/main" id="{CC0B9BFA-A067-DD11-7DBA-5F8E9170D8B7}"/>
+              <a16:creationId xmlns:a16="http://schemas.microsoft.com/office/drawing/2014/main" id="{93819C87-220F-7ACE-2FAE-502136D59EA0}"/>
             </a:ext>
           </a:extLst>
         </p:cNvPr>
@@ -6703,7 +7726,7 @@
           <p:cNvPr id="2" name="Title 1">
             <a:extLst>
               <a:ext uri="{FF2B5EF4-FFF2-40B4-BE49-F238E27FC236}">
-                <a16:creationId xmlns:a16="http://schemas.microsoft.com/office/drawing/2014/main" id="{85A78879-20B2-DF9F-5DC2-FA71E2E7CB3D}"/>
+                <a16:creationId xmlns:a16="http://schemas.microsoft.com/office/drawing/2014/main" id="{9564DED5-FAF7-7A98-D220-CB12AE20C828}"/>
               </a:ext>
             </a:extLst>
           </p:cNvPr>
@@ -6711,7 +7734,7 @@
             <a:spLocks noGrp="1"/>
           </p:cNvSpPr>
           <p:nvPr>
-            <p:ph type="ctrTitle"/>
+            <p:ph type="title"/>
           </p:nvPr>
         </p:nvSpPr>
         <p:spPr/>
@@ -6721,17 +7744,17 @@
           <a:p>
             <a:r>
               <a:rPr lang="en-US" dirty="0"/>
-              <a:t>THANK YOU!</a:t>
-            </a:r>
-          </a:p>
-        </p:txBody>
-      </p:sp>
-      <p:sp>
-        <p:nvSpPr>
-          <p:cNvPr id="3" name="Subtitle 2">
+              <a:t>ETL Workflow</a:t>
+            </a:r>
+          </a:p>
+        </p:txBody>
+      </p:sp>
+      <p:sp>
+        <p:nvSpPr>
+          <p:cNvPr id="3" name="Content Placeholder 2">
             <a:extLst>
               <a:ext uri="{FF2B5EF4-FFF2-40B4-BE49-F238E27FC236}">
-                <a16:creationId xmlns:a16="http://schemas.microsoft.com/office/drawing/2014/main" id="{039472D1-19FC-3432-223E-FE9BFD434295}"/>
+                <a16:creationId xmlns:a16="http://schemas.microsoft.com/office/drawing/2014/main" id="{8A682A6E-C1F8-E034-8597-E012332CEDAB}"/>
               </a:ext>
             </a:extLst>
           </p:cNvPr>
@@ -6739,25 +7762,233 @@
             <a:spLocks noGrp="1"/>
           </p:cNvSpPr>
           <p:nvPr>
-            <p:ph type="subTitle" idx="1"/>
-          </p:nvPr>
-        </p:nvSpPr>
-        <p:spPr/>
-        <p:txBody>
-          <a:bodyPr/>
+            <p:ph idx="1"/>
+          </p:nvPr>
+        </p:nvSpPr>
+        <p:spPr>
+          <a:xfrm>
+            <a:off x="677334" y="1694245"/>
+            <a:ext cx="9179898" cy="3880773"/>
+          </a:xfrm>
+        </p:spPr>
+        <p:txBody>
+          <a:bodyPr>
+            <a:normAutofit/>
+          </a:bodyPr>
           <a:lstStyle/>
           <a:p>
             <a:r>
               <a:rPr lang="en-US" dirty="0"/>
-              <a:t>Any Questions?</a:t>
-            </a:r>
-          </a:p>
-        </p:txBody>
-      </p:sp>
+              <a:t>Loading the cleaned and joined data into a relational SQLite database (</a:t>
+            </a:r>
+            <a:r>
+              <a:rPr lang="en-US" dirty="0" err="1"/>
+              <a:t>national_park_species_db.sql</a:t>
+            </a:r>
+            <a:r>
+              <a:rPr lang="en-US" dirty="0"/>
+              <a:t> with 3 tables:</a:t>
+            </a:r>
+          </a:p>
+          <a:p>
+            <a:pPr lvl="1"/>
+            <a:r>
+              <a:rPr lang="en-US" dirty="0"/>
+              <a:t>observations, </a:t>
+            </a:r>
+            <a:r>
+              <a:rPr lang="en-US" dirty="0" err="1"/>
+              <a:t>parks_updated</a:t>
+            </a:r>
+            <a:r>
+              <a:rPr lang="en-US" dirty="0"/>
+              <a:t>, and </a:t>
+            </a:r>
+            <a:r>
+              <a:rPr lang="en-US" dirty="0" err="1"/>
+              <a:t>species_info</a:t>
+            </a:r>
+            <a:endParaRPr lang="en-US" dirty="0"/>
+          </a:p>
+        </p:txBody>
+      </p:sp>
+      <p:pic>
+        <p:nvPicPr>
+          <p:cNvPr id="5" name="Picture 4">
+            <a:extLst>
+              <a:ext uri="{FF2B5EF4-FFF2-40B4-BE49-F238E27FC236}">
+                <a16:creationId xmlns:a16="http://schemas.microsoft.com/office/drawing/2014/main" id="{E8007D77-C9DC-BDD4-7495-9C601594293F}"/>
+              </a:ext>
+            </a:extLst>
+          </p:cNvPr>
+          <p:cNvPicPr>
+            <a:picLocks noChangeAspect="1"/>
+          </p:cNvPicPr>
+          <p:nvPr/>
+        </p:nvPicPr>
+        <p:blipFill>
+          <a:blip r:embed="rId2"/>
+          <a:stretch>
+            <a:fillRect/>
+          </a:stretch>
+        </p:blipFill>
+        <p:spPr>
+          <a:xfrm>
+            <a:off x="6096000" y="2469848"/>
+            <a:ext cx="3178002" cy="3951409"/>
+          </a:xfrm>
+          <a:prstGeom prst="rect">
+            <a:avLst/>
+          </a:prstGeom>
+        </p:spPr>
+      </p:pic>
     </p:spTree>
     <p:extLst>
       <p:ext uri="{BB962C8B-B14F-4D97-AF65-F5344CB8AC3E}">
-        <p14:creationId xmlns:p14="http://schemas.microsoft.com/office/powerpoint/2010/main" val="559868811"/>
+        <p14:creationId xmlns:p14="http://schemas.microsoft.com/office/powerpoint/2010/main" val="1414260322"/>
+      </p:ext>
+    </p:extLst>
+  </p:cSld>
+  <p:clrMapOvr>
+    <a:masterClrMapping/>
+  </p:clrMapOvr>
+</p:sld>
+</file>
+
+<file path=ppt/slides/slide9.xml><?xml version="1.0" encoding="utf-8"?>
+<p:sld xmlns:a="http://schemas.openxmlformats.org/drawingml/2006/main" xmlns:r="http://schemas.openxmlformats.org/officeDocument/2006/relationships" xmlns:p="http://schemas.openxmlformats.org/presentationml/2006/main">
+  <p:cSld>
+    <p:spTree>
+      <p:nvGrpSpPr>
+        <p:cNvPr id="1" name="">
+          <a:extLst>
+            <a:ext uri="{FF2B5EF4-FFF2-40B4-BE49-F238E27FC236}">
+              <a16:creationId xmlns:a16="http://schemas.microsoft.com/office/drawing/2014/main" id="{95AF596A-ACD7-8691-17DE-B5859C04560A}"/>
+            </a:ext>
+          </a:extLst>
+        </p:cNvPr>
+        <p:cNvGrpSpPr/>
+        <p:nvPr/>
+      </p:nvGrpSpPr>
+      <p:grpSpPr>
+        <a:xfrm>
+          <a:off x="0" y="0"/>
+          <a:ext cx="0" cy="0"/>
+          <a:chOff x="0" y="0"/>
+          <a:chExt cx="0" cy="0"/>
+        </a:xfrm>
+      </p:grpSpPr>
+      <p:sp>
+        <p:nvSpPr>
+          <p:cNvPr id="2" name="Title 1">
+            <a:extLst>
+              <a:ext uri="{FF2B5EF4-FFF2-40B4-BE49-F238E27FC236}">
+                <a16:creationId xmlns:a16="http://schemas.microsoft.com/office/drawing/2014/main" id="{04B43A25-8DB3-9ABA-076C-3B2276CDC532}"/>
+              </a:ext>
+            </a:extLst>
+          </p:cNvPr>
+          <p:cNvSpPr>
+            <a:spLocks noGrp="1"/>
+          </p:cNvSpPr>
+          <p:nvPr>
+            <p:ph type="title"/>
+          </p:nvPr>
+        </p:nvSpPr>
+        <p:spPr/>
+        <p:txBody>
+          <a:bodyPr/>
+          <a:lstStyle/>
+          <a:p>
+            <a:r>
+              <a:rPr lang="en-US" dirty="0"/>
+              <a:t>Connecting to PostgreSQL</a:t>
+            </a:r>
+          </a:p>
+        </p:txBody>
+      </p:sp>
+      <p:sp>
+        <p:nvSpPr>
+          <p:cNvPr id="3" name="Content Placeholder 2">
+            <a:extLst>
+              <a:ext uri="{FF2B5EF4-FFF2-40B4-BE49-F238E27FC236}">
+                <a16:creationId xmlns:a16="http://schemas.microsoft.com/office/drawing/2014/main" id="{3921E70B-B7FD-94A4-FDC4-C09106322EEF}"/>
+              </a:ext>
+            </a:extLst>
+          </p:cNvPr>
+          <p:cNvSpPr>
+            <a:spLocks noGrp="1"/>
+          </p:cNvSpPr>
+          <p:nvPr>
+            <p:ph idx="1"/>
+          </p:nvPr>
+        </p:nvSpPr>
+        <p:spPr>
+          <a:xfrm>
+            <a:off x="677334" y="1694245"/>
+            <a:ext cx="9179898" cy="3880773"/>
+          </a:xfrm>
+        </p:spPr>
+        <p:txBody>
+          <a:bodyPr>
+            <a:normAutofit/>
+          </a:bodyPr>
+          <a:lstStyle/>
+          <a:p>
+            <a:r>
+              <a:rPr lang="en-US" dirty="0"/>
+              <a:t>Connect to the PostgreSQL database that was previously created in pgAdmin4</a:t>
+            </a:r>
+          </a:p>
+          <a:p>
+            <a:pPr lvl="1"/>
+            <a:r>
+              <a:rPr lang="en-US" dirty="0"/>
+              <a:t>Create a cursor object that lets you execute SQL commands from Python</a:t>
+            </a:r>
+          </a:p>
+          <a:p>
+            <a:pPr lvl="1"/>
+            <a:r>
+              <a:rPr lang="en-US" dirty="0"/>
+              <a:t>Execute SQL to retrieve all rows from the 'observations' table</a:t>
+            </a:r>
+          </a:p>
+        </p:txBody>
+      </p:sp>
+      <p:pic>
+        <p:nvPicPr>
+          <p:cNvPr id="6" name="Picture 5">
+            <a:extLst>
+              <a:ext uri="{FF2B5EF4-FFF2-40B4-BE49-F238E27FC236}">
+                <a16:creationId xmlns:a16="http://schemas.microsoft.com/office/drawing/2014/main" id="{B9E28B27-A590-F8D0-A66D-7C0A28252EB2}"/>
+              </a:ext>
+            </a:extLst>
+          </p:cNvPr>
+          <p:cNvPicPr>
+            <a:picLocks noChangeAspect="1"/>
+          </p:cNvPicPr>
+          <p:nvPr/>
+        </p:nvPicPr>
+        <p:blipFill>
+          <a:blip r:embed="rId2"/>
+          <a:stretch>
+            <a:fillRect/>
+          </a:stretch>
+        </p:blipFill>
+        <p:spPr>
+          <a:xfrm>
+            <a:off x="2056910" y="3314524"/>
+            <a:ext cx="6420746" cy="2514951"/>
+          </a:xfrm>
+          <a:prstGeom prst="rect">
+            <a:avLst/>
+          </a:prstGeom>
+        </p:spPr>
+      </p:pic>
+    </p:spTree>
+    <p:extLst>
+      <p:ext uri="{BB962C8B-B14F-4D97-AF65-F5344CB8AC3E}">
+        <p14:creationId xmlns:p14="http://schemas.microsoft.com/office/powerpoint/2010/main" val="1625989674"/>
       </p:ext>
     </p:extLst>
   </p:cSld>
